--- a/slide thuyết trình.pptx
+++ b/slide thuyết trình.pptx
@@ -14,10 +14,7 @@
     <p:sldId id="264" r:id="rId8"/>
     <p:sldId id="265" r:id="rId9"/>
     <p:sldId id="266" r:id="rId10"/>
-    <p:sldId id="260" r:id="rId11"/>
-    <p:sldId id="261" r:id="rId12"/>
-    <p:sldId id="267" r:id="rId13"/>
-    <p:sldId id="268" r:id="rId14"/>
+    <p:sldId id="268" r:id="rId11"/>
   </p:sldIdLst>
   <p:sldSz cx="12192000" cy="6858000"/>
   <p:notesSz cx="6858000" cy="9144000"/>
@@ -307,7 +304,7 @@
           <a:p>
             <a:fld id="{4AAD347D-5ACD-4C99-B74B-A9C85AD731AF}" type="datetimeFigureOut">
               <a:rPr lang="en-US" dirty="0"/>
-              <a:t>12/23/2018</a:t>
+              <a:t>3/15/2019</a:t>
             </a:fld>
             <a:endParaRPr lang="en-US" dirty="0"/>
           </a:p>
@@ -577,7 +574,7 @@
           <a:p>
             <a:fld id="{4509A250-FF31-4206-8172-F9D3106AACB1}" type="datetimeFigureOut">
               <a:rPr lang="en-US" dirty="0"/>
-              <a:t>12/23/2018</a:t>
+              <a:t>3/15/2019</a:t>
             </a:fld>
             <a:endParaRPr lang="en-US" dirty="0"/>
           </a:p>
@@ -766,7 +763,7 @@
           <a:p>
             <a:fld id="{4509A250-FF31-4206-8172-F9D3106AACB1}" type="datetimeFigureOut">
               <a:rPr lang="en-US" dirty="0"/>
-              <a:t>12/23/2018</a:t>
+              <a:t>3/15/2019</a:t>
             </a:fld>
             <a:endParaRPr lang="en-US" dirty="0"/>
           </a:p>
@@ -1029,7 +1026,7 @@
           <a:p>
             <a:fld id="{4509A250-FF31-4206-8172-F9D3106AACB1}" type="datetimeFigureOut">
               <a:rPr lang="en-US" dirty="0"/>
-              <a:t>12/23/2018</a:t>
+              <a:t>3/15/2019</a:t>
             </a:fld>
             <a:endParaRPr lang="en-US" dirty="0"/>
           </a:p>
@@ -1356,7 +1353,7 @@
           <a:p>
             <a:fld id="{4509A250-FF31-4206-8172-F9D3106AACB1}" type="datetimeFigureOut">
               <a:rPr lang="en-US" dirty="0"/>
-              <a:t>12/23/2018</a:t>
+              <a:t>3/15/2019</a:t>
             </a:fld>
             <a:endParaRPr lang="en-US" dirty="0"/>
           </a:p>
@@ -1961,7 +1958,7 @@
           <a:p>
             <a:fld id="{4509A250-FF31-4206-8172-F9D3106AACB1}" type="datetimeFigureOut">
               <a:rPr lang="en-US" dirty="0"/>
-              <a:t>12/23/2018</a:t>
+              <a:t>3/15/2019</a:t>
             </a:fld>
             <a:endParaRPr lang="en-US" dirty="0"/>
           </a:p>
@@ -2803,7 +2800,7 @@
           <a:p>
             <a:fld id="{4509A250-FF31-4206-8172-F9D3106AACB1}" type="datetimeFigureOut">
               <a:rPr lang="en-US" dirty="0"/>
-              <a:t>12/23/2018</a:t>
+              <a:t>3/15/2019</a:t>
             </a:fld>
             <a:endParaRPr lang="en-US" dirty="0"/>
           </a:p>
@@ -2968,7 +2965,7 @@
           <a:p>
             <a:fld id="{4509A250-FF31-4206-8172-F9D3106AACB1}" type="datetimeFigureOut">
               <a:rPr lang="en-US" dirty="0"/>
-              <a:t>12/23/2018</a:t>
+              <a:t>3/15/2019</a:t>
             </a:fld>
             <a:endParaRPr lang="en-US" dirty="0"/>
           </a:p>
@@ -3143,7 +3140,7 @@
           <a:p>
             <a:fld id="{4509A250-FF31-4206-8172-F9D3106AACB1}" type="datetimeFigureOut">
               <a:rPr lang="en-US" dirty="0"/>
-              <a:t>12/23/2018</a:t>
+              <a:t>3/15/2019</a:t>
             </a:fld>
             <a:endParaRPr lang="en-US" dirty="0"/>
           </a:p>
@@ -3308,7 +3305,7 @@
           <a:p>
             <a:fld id="{4509A250-FF31-4206-8172-F9D3106AACB1}" type="datetimeFigureOut">
               <a:rPr lang="en-US" dirty="0"/>
-              <a:t>12/23/2018</a:t>
+              <a:t>3/15/2019</a:t>
             </a:fld>
             <a:endParaRPr lang="en-US" dirty="0"/>
           </a:p>
@@ -3547,7 +3544,7 @@
           <a:p>
             <a:fld id="{4509A250-FF31-4206-8172-F9D3106AACB1}" type="datetimeFigureOut">
               <a:rPr lang="en-US" dirty="0"/>
-              <a:t>12/23/2018</a:t>
+              <a:t>3/15/2019</a:t>
             </a:fld>
             <a:endParaRPr lang="en-US" dirty="0"/>
           </a:p>
@@ -3834,7 +3831,7 @@
           <a:p>
             <a:fld id="{4509A250-FF31-4206-8172-F9D3106AACB1}" type="datetimeFigureOut">
               <a:rPr lang="en-US" dirty="0"/>
-              <a:t>12/23/2018</a:t>
+              <a:t>3/15/2019</a:t>
             </a:fld>
             <a:endParaRPr lang="en-US" dirty="0"/>
           </a:p>
@@ -4267,7 +4264,7 @@
           <a:p>
             <a:fld id="{4509A250-FF31-4206-8172-F9D3106AACB1}" type="datetimeFigureOut">
               <a:rPr lang="en-US" dirty="0"/>
-              <a:t>12/23/2018</a:t>
+              <a:t>3/15/2019</a:t>
             </a:fld>
             <a:endParaRPr lang="en-US" dirty="0"/>
           </a:p>
@@ -4380,7 +4377,7 @@
           <a:p>
             <a:fld id="{4509A250-FF31-4206-8172-F9D3106AACB1}" type="datetimeFigureOut">
               <a:rPr lang="en-US" dirty="0"/>
-              <a:t>12/23/2018</a:t>
+              <a:t>3/15/2019</a:t>
             </a:fld>
             <a:endParaRPr lang="en-US" dirty="0"/>
           </a:p>
@@ -4470,7 +4467,7 @@
           <a:p>
             <a:fld id="{4509A250-FF31-4206-8172-F9D3106AACB1}" type="datetimeFigureOut">
               <a:rPr lang="en-US" dirty="0"/>
-              <a:t>12/23/2018</a:t>
+              <a:t>3/15/2019</a:t>
             </a:fld>
             <a:endParaRPr lang="en-US" dirty="0"/>
           </a:p>
@@ -4744,7 +4741,7 @@
           <a:p>
             <a:fld id="{4509A250-FF31-4206-8172-F9D3106AACB1}" type="datetimeFigureOut">
               <a:rPr lang="en-US" dirty="0"/>
-              <a:t>12/23/2018</a:t>
+              <a:t>3/15/2019</a:t>
             </a:fld>
             <a:endParaRPr lang="en-US" dirty="0"/>
           </a:p>
@@ -5014,7 +5011,7 @@
           <a:p>
             <a:fld id="{4509A250-FF31-4206-8172-F9D3106AACB1}" type="datetimeFigureOut">
               <a:rPr lang="en-US" dirty="0"/>
-              <a:t>12/23/2018</a:t>
+              <a:t>3/15/2019</a:t>
             </a:fld>
             <a:endParaRPr lang="en-US" dirty="0"/>
           </a:p>
@@ -5438,7 +5435,7 @@
           <a:p>
             <a:fld id="{4509A250-FF31-4206-8172-F9D3106AACB1}" type="datetimeFigureOut">
               <a:rPr lang="en-US" dirty="0"/>
-              <a:t>12/23/2018</a:t>
+              <a:t>3/15/2019</a:t>
             </a:fld>
             <a:endParaRPr lang="en-US" dirty="0"/>
           </a:p>
@@ -5974,17 +5971,6 @@
           <a:lstStyle/>
           <a:p>
             <a:pPr algn="r"/>
-            <a:r>
-              <a:rPr lang="en-GB" dirty="0" smtClean="0"/>
-              <a:t>Người thực hiện đề tài: Nguyễn xuân tuấn</a:t>
-            </a:r>
-          </a:p>
-          <a:p>
-            <a:pPr algn="r"/>
-            <a:r>
-              <a:rPr lang="en-GB" dirty="0" smtClean="0"/>
-              <a:t>Mssv 15110145</a:t>
-            </a:r>
             <a:endParaRPr lang="en-GB" dirty="0"/>
           </a:p>
         </p:txBody>
@@ -6003,308 +5989,6 @@
 </file>
 
 <file path=ppt/slides/slide10.xml><?xml version="1.0" encoding="utf-8"?>
-<p:sld xmlns:a="http://schemas.openxmlformats.org/drawingml/2006/main" xmlns:r="http://schemas.openxmlformats.org/officeDocument/2006/relationships" xmlns:p="http://schemas.openxmlformats.org/presentationml/2006/main">
-  <p:cSld>
-    <p:spTree>
-      <p:nvGrpSpPr>
-        <p:cNvPr id="1" name=""/>
-        <p:cNvGrpSpPr/>
-        <p:nvPr/>
-      </p:nvGrpSpPr>
-      <p:grpSpPr>
-        <a:xfrm>
-          <a:off x="0" y="0"/>
-          <a:ext cx="0" cy="0"/>
-          <a:chOff x="0" y="0"/>
-          <a:chExt cx="0" cy="0"/>
-        </a:xfrm>
-      </p:grpSpPr>
-      <p:sp>
-        <p:nvSpPr>
-          <p:cNvPr id="2" name="Title 1"/>
-          <p:cNvSpPr>
-            <a:spLocks noGrp="1"/>
-          </p:cNvSpPr>
-          <p:nvPr>
-            <p:ph type="ctrTitle"/>
-          </p:nvPr>
-        </p:nvSpPr>
-        <p:spPr/>
-        <p:txBody>
-          <a:bodyPr/>
-          <a:lstStyle/>
-          <a:p>
-            <a:r>
-              <a:rPr lang="en-GB" dirty="0" smtClean="0"/>
-              <a:t>4.DEMO</a:t>
-            </a:r>
-            <a:endParaRPr lang="en-GB" dirty="0"/>
-          </a:p>
-        </p:txBody>
-      </p:sp>
-      <p:sp>
-        <p:nvSpPr>
-          <p:cNvPr id="3" name="Subtitle 2"/>
-          <p:cNvSpPr>
-            <a:spLocks noGrp="1"/>
-          </p:cNvSpPr>
-          <p:nvPr>
-            <p:ph type="subTitle" idx="1"/>
-          </p:nvPr>
-        </p:nvSpPr>
-        <p:spPr/>
-        <p:txBody>
-          <a:bodyPr/>
-          <a:lstStyle/>
-          <a:p>
-            <a:endParaRPr lang="en-GB"/>
-          </a:p>
-        </p:txBody>
-      </p:sp>
-    </p:spTree>
-    <p:extLst>
-      <p:ext uri="{BB962C8B-B14F-4D97-AF65-F5344CB8AC3E}">
-        <p14:creationId xmlns:p14="http://schemas.microsoft.com/office/powerpoint/2010/main" val="1756881841"/>
-      </p:ext>
-    </p:extLst>
-  </p:cSld>
-  <p:clrMapOvr>
-    <a:masterClrMapping/>
-  </p:clrMapOvr>
-</p:sld>
-</file>
-
-<file path=ppt/slides/slide11.xml><?xml version="1.0" encoding="utf-8"?>
-<p:sld xmlns:a="http://schemas.openxmlformats.org/drawingml/2006/main" xmlns:r="http://schemas.openxmlformats.org/officeDocument/2006/relationships" xmlns:p="http://schemas.openxmlformats.org/presentationml/2006/main">
-  <p:cSld>
-    <p:spTree>
-      <p:nvGrpSpPr>
-        <p:cNvPr id="1" name=""/>
-        <p:cNvGrpSpPr/>
-        <p:nvPr/>
-      </p:nvGrpSpPr>
-      <p:grpSpPr>
-        <a:xfrm>
-          <a:off x="0" y="0"/>
-          <a:ext cx="0" cy="0"/>
-          <a:chOff x="0" y="0"/>
-          <a:chExt cx="0" cy="0"/>
-        </a:xfrm>
-      </p:grpSpPr>
-      <p:sp>
-        <p:nvSpPr>
-          <p:cNvPr id="2" name="Title 1"/>
-          <p:cNvSpPr>
-            <a:spLocks noGrp="1"/>
-          </p:cNvSpPr>
-          <p:nvPr>
-            <p:ph type="ctrTitle"/>
-          </p:nvPr>
-        </p:nvSpPr>
-        <p:spPr/>
-        <p:txBody>
-          <a:bodyPr/>
-          <a:lstStyle/>
-          <a:p>
-            <a:r>
-              <a:rPr lang="en-GB" dirty="0"/>
-              <a:t>5</a:t>
-            </a:r>
-            <a:r>
-              <a:rPr lang="en-GB" dirty="0" smtClean="0"/>
-              <a:t>. KẾT LUẬN</a:t>
-            </a:r>
-            <a:endParaRPr lang="en-GB" dirty="0"/>
-          </a:p>
-        </p:txBody>
-      </p:sp>
-      <p:sp>
-        <p:nvSpPr>
-          <p:cNvPr id="3" name="Subtitle 2"/>
-          <p:cNvSpPr>
-            <a:spLocks noGrp="1"/>
-          </p:cNvSpPr>
-          <p:nvPr>
-            <p:ph type="subTitle" idx="1"/>
-          </p:nvPr>
-        </p:nvSpPr>
-        <p:spPr/>
-        <p:txBody>
-          <a:bodyPr/>
-          <a:lstStyle/>
-          <a:p>
-            <a:endParaRPr lang="en-GB" dirty="0"/>
-          </a:p>
-        </p:txBody>
-      </p:sp>
-    </p:spTree>
-    <p:extLst>
-      <p:ext uri="{BB962C8B-B14F-4D97-AF65-F5344CB8AC3E}">
-        <p14:creationId xmlns:p14="http://schemas.microsoft.com/office/powerpoint/2010/main" val="1476924415"/>
-      </p:ext>
-    </p:extLst>
-  </p:cSld>
-  <p:clrMapOvr>
-    <a:masterClrMapping/>
-  </p:clrMapOvr>
-</p:sld>
-</file>
-
-<file path=ppt/slides/slide12.xml><?xml version="1.0" encoding="utf-8"?>
-<p:sld xmlns:a="http://schemas.openxmlformats.org/drawingml/2006/main" xmlns:r="http://schemas.openxmlformats.org/officeDocument/2006/relationships" xmlns:p="http://schemas.openxmlformats.org/presentationml/2006/main">
-  <p:cSld>
-    <p:spTree>
-      <p:nvGrpSpPr>
-        <p:cNvPr id="1" name=""/>
-        <p:cNvGrpSpPr/>
-        <p:nvPr/>
-      </p:nvGrpSpPr>
-      <p:grpSpPr>
-        <a:xfrm>
-          <a:off x="0" y="0"/>
-          <a:ext cx="0" cy="0"/>
-          <a:chOff x="0" y="0"/>
-          <a:chExt cx="0" cy="0"/>
-        </a:xfrm>
-      </p:grpSpPr>
-      <p:sp>
-        <p:nvSpPr>
-          <p:cNvPr id="2" name="Title 1"/>
-          <p:cNvSpPr>
-            <a:spLocks noGrp="1"/>
-          </p:cNvSpPr>
-          <p:nvPr>
-            <p:ph type="title"/>
-          </p:nvPr>
-        </p:nvSpPr>
-        <p:spPr/>
-        <p:txBody>
-          <a:bodyPr/>
-          <a:lstStyle/>
-          <a:p>
-            <a:r>
-              <a:rPr lang="en-GB" dirty="0" smtClean="0"/>
-              <a:t>5. Kết luận</a:t>
-            </a:r>
-            <a:endParaRPr lang="en-GB" dirty="0"/>
-          </a:p>
-        </p:txBody>
-      </p:sp>
-      <p:sp>
-        <p:nvSpPr>
-          <p:cNvPr id="3" name="Content Placeholder 2"/>
-          <p:cNvSpPr>
-            <a:spLocks noGrp="1"/>
-          </p:cNvSpPr>
-          <p:nvPr>
-            <p:ph idx="1"/>
-          </p:nvPr>
-        </p:nvSpPr>
-        <p:spPr/>
-        <p:txBody>
-          <a:bodyPr>
-            <a:normAutofit fontScale="92500" lnSpcReduction="20000"/>
-          </a:bodyPr>
-          <a:lstStyle/>
-          <a:p>
-            <a:pPr lvl="0"/>
-            <a:r>
-              <a:rPr lang="en-US" dirty="0"/>
-              <a:t>Về nghiên cứu công nghệ mới:</a:t>
-            </a:r>
-            <a:endParaRPr lang="en-GB" sz="1600" dirty="0"/>
-          </a:p>
-          <a:p>
-            <a:pPr lvl="1"/>
-            <a:r>
-              <a:rPr lang="en-US" dirty="0"/>
-              <a:t>Nắm vững kiến thức về Springboot và cách cấu hình, xây dụng model, lâp trình theo hướng code first. </a:t>
-            </a:r>
-            <a:endParaRPr lang="en-GB" sz="1400" dirty="0"/>
-          </a:p>
-          <a:p>
-            <a:pPr lvl="1"/>
-            <a:r>
-              <a:rPr lang="en-US" dirty="0"/>
-              <a:t>Nắm vững kiến thức cơ bản về ReactJs và các kiến thức liên quan như HTML, CSS, JavaScript.</a:t>
-            </a:r>
-            <a:endParaRPr lang="en-GB" sz="1400" dirty="0"/>
-          </a:p>
-          <a:p>
-            <a:pPr lvl="1"/>
-            <a:r>
-              <a:rPr lang="en-US" dirty="0"/>
-              <a:t>Ứng dụng thành thạo mô hình MVC</a:t>
-            </a:r>
-            <a:endParaRPr lang="en-GB" sz="1400" dirty="0"/>
-          </a:p>
-          <a:p>
-            <a:pPr lvl="1"/>
-            <a:r>
-              <a:rPr lang="en-US" dirty="0"/>
-              <a:t>Nắm cách thức giao tiếp giữa client và server bằng Restful.</a:t>
-            </a:r>
-            <a:endParaRPr lang="en-GB" sz="1400" dirty="0"/>
-          </a:p>
-          <a:p>
-            <a:pPr lvl="0"/>
-            <a:r>
-              <a:rPr lang="en-US" dirty="0"/>
-              <a:t>Về mặt ứng dụng web:</a:t>
-            </a:r>
-            <a:endParaRPr lang="en-GB" sz="1600" dirty="0"/>
-          </a:p>
-          <a:p>
-            <a:pPr lvl="1"/>
-            <a:r>
-              <a:rPr lang="en-US" dirty="0"/>
-              <a:t>Thiết kế cơ sở dữ liệu tối ưu, chiếm ít bộ nhớ, gọn, nhẹ.</a:t>
-            </a:r>
-            <a:endParaRPr lang="en-GB" sz="1400" dirty="0"/>
-          </a:p>
-          <a:p>
-            <a:pPr lvl="1"/>
-            <a:r>
-              <a:rPr lang="en-US" dirty="0"/>
-              <a:t>Tốc độ hiển thị dữ liệu nhanh chóng, thời gian loading thấp</a:t>
-            </a:r>
-            <a:endParaRPr lang="en-GB" sz="1400" dirty="0"/>
-          </a:p>
-          <a:p>
-            <a:pPr lvl="1"/>
-            <a:r>
-              <a:rPr lang="en-US" dirty="0"/>
-              <a:t>Thiết kế website bằng HTML, CSS có giao diện bắt mắt</a:t>
-            </a:r>
-            <a:endParaRPr lang="en-GB" sz="1400" dirty="0"/>
-          </a:p>
-          <a:p>
-            <a:pPr lvl="1"/>
-            <a:r>
-              <a:rPr lang="en-US" dirty="0"/>
-              <a:t>Các chức năng cơ bản của một website tìm việc làm đầy đủ, đặc biệt là chức năng tìm kiếm.</a:t>
-            </a:r>
-            <a:endParaRPr lang="en-GB" sz="1400" dirty="0"/>
-          </a:p>
-          <a:p>
-            <a:endParaRPr lang="en-GB" dirty="0"/>
-          </a:p>
-        </p:txBody>
-      </p:sp>
-    </p:spTree>
-    <p:extLst>
-      <p:ext uri="{BB962C8B-B14F-4D97-AF65-F5344CB8AC3E}">
-        <p14:creationId xmlns:p14="http://schemas.microsoft.com/office/powerpoint/2010/main" val="2232590098"/>
-      </p:ext>
-    </p:extLst>
-  </p:cSld>
-  <p:clrMapOvr>
-    <a:masterClrMapping/>
-  </p:clrMapOvr>
-</p:sld>
-</file>
-
-<file path=ppt/slides/slide13.xml><?xml version="1.0" encoding="utf-8"?>
 <p:sld xmlns:a="http://schemas.openxmlformats.org/drawingml/2006/main" xmlns:r="http://schemas.openxmlformats.org/officeDocument/2006/relationships" xmlns:p="http://schemas.openxmlformats.org/presentationml/2006/main">
   <p:cSld>
     <p:spTree>
@@ -6590,38 +6274,30 @@
           <a:p>
             <a:r>
               <a:rPr lang="en-GB" dirty="0" smtClean="0"/>
-              <a:t>1. Giới </a:t>
-            </a:r>
+              <a:t>1. Giới thiệu</a:t>
+            </a:r>
+            <a:endParaRPr lang="en-GB" dirty="0"/>
+          </a:p>
+        </p:txBody>
+      </p:sp>
+      <p:sp>
+        <p:nvSpPr>
+          <p:cNvPr id="3" name="Content Placeholder 2"/>
+          <p:cNvSpPr>
+            <a:spLocks noGrp="1"/>
+          </p:cNvSpPr>
+          <p:nvPr>
+            <p:ph idx="1"/>
+          </p:nvPr>
+        </p:nvSpPr>
+        <p:spPr/>
+        <p:txBody>
+          <a:bodyPr/>
+          <a:lstStyle/>
+          <a:p>
             <a:r>
               <a:rPr lang="en-GB" dirty="0" smtClean="0"/>
-              <a:t>thiệu</a:t>
-            </a:r>
-            <a:endParaRPr lang="en-GB" dirty="0"/>
-          </a:p>
-        </p:txBody>
-      </p:sp>
-      <p:sp>
-        <p:nvSpPr>
-          <p:cNvPr id="3" name="Content Placeholder 2"/>
-          <p:cNvSpPr>
-            <a:spLocks noGrp="1"/>
-          </p:cNvSpPr>
-          <p:nvPr>
-            <p:ph idx="1"/>
-          </p:nvPr>
-        </p:nvSpPr>
-        <p:spPr/>
-        <p:txBody>
-          <a:bodyPr/>
-          <a:lstStyle/>
-          <a:p>
-            <a:r>
-              <a:rPr lang="en-GB" dirty="0" smtClean="0"/>
-              <a:t>Khi dân số bùng nổ, dẫn tới nhu cầu tìm việc làm tăng mạnh. Ta cần có một công cụ có thể tập hợp thông tin để con người có thể </a:t>
-            </a:r>
-            <a:r>
-              <a:rPr lang="en-GB" dirty="0" smtClean="0"/>
-              <a:t>tìm, nhà tuyển dụng có thể tìm được </a:t>
+              <a:t>Khi dân số bùng nổ, dẫn tới nhu cầu tìm việc làm tăng mạnh. Ta cần có một công cụ có thể tập hợp thông tin để con người có thể tìm, nhà tuyển dụng có thể tìm được </a:t>
             </a:r>
             <a:r>
               <a:rPr lang="en-GB" dirty="0"/>
@@ -6629,11 +6305,7 @@
             </a:r>
             <a:r>
               <a:rPr lang="en-GB" dirty="0" smtClean="0"/>
-              <a:t>JobFinder là một website tìm việc làm được xây dựng bằng những công nghệ mới nhất nhằm đáp ứng nhu cầu tìm việc làm nhanh </a:t>
-            </a:r>
-            <a:r>
-              <a:rPr lang="en-GB" dirty="0" smtClean="0"/>
-              <a:t>chóng.</a:t>
+              <a:t>JobFinder là một website tìm việc làm được xây dựng bằng những công nghệ mới nhất nhằm đáp ứng nhu cầu tìm việc làm nhanh chóng.</a:t>
             </a:r>
           </a:p>
           <a:p>
